--- a/Group 3 – The Beast Nation.pptx
+++ b/Group 3 – The Beast Nation.pptx
@@ -13,10 +13,12 @@
     <p:sldId id="258" r:id="rId7"/>
     <p:sldId id="259" r:id="rId8"/>
     <p:sldId id="264" r:id="rId9"/>
-    <p:sldId id="260" r:id="rId10"/>
-    <p:sldId id="261" r:id="rId11"/>
-    <p:sldId id="262" r:id="rId12"/>
-    <p:sldId id="263" r:id="rId13"/>
+    <p:sldId id="269" r:id="rId10"/>
+    <p:sldId id="260" r:id="rId11"/>
+    <p:sldId id="261" r:id="rId12"/>
+    <p:sldId id="262" r:id="rId13"/>
+    <p:sldId id="263" r:id="rId14"/>
+    <p:sldId id="268" r:id="rId15"/>
   </p:sldIdLst>
   <p:sldSz cx="12192000" cy="6858000"/>
   <p:notesSz cx="6858000" cy="9144000"/>
@@ -115,6 +117,11 @@
       </a:defRPr>
     </a:lvl9pPr>
   </p:defaultTextStyle>
+  <p:extLst>
+    <p:ext uri="{EFAFB233-063F-42B5-8137-9DF3F51BA10A}">
+      <p15:sldGuideLst xmlns:p15="http://schemas.microsoft.com/office/powerpoint/2012/main"/>
+    </p:ext>
+  </p:extLst>
 </p:presentation>
 </file>
 
@@ -3539,12 +3546,12 @@
           <a:lstStyle/>
           <a:p>
             <a:r>
-              <a:rPr lang="en-GB" dirty="0"/>
-              <a:t>Review of </a:t>
-            </a:r>
-            <a:r>
               <a:rPr lang="en-GB" dirty="0" smtClean="0"/>
-              <a:t>Roles - Jennifer</a:t>
+              <a:t>Review of Roles - </a:t>
+            </a:r>
+            <a:r>
+              <a:rPr lang="en-GB" dirty="0" err="1" smtClean="0"/>
+              <a:t>Anis</a:t>
             </a:r>
             <a:endParaRPr lang="en-GB" dirty="0"/>
           </a:p>
@@ -3572,7 +3579,7 @@
     </p:spTree>
     <p:extLst>
       <p:ext uri="{BB962C8B-B14F-4D97-AF65-F5344CB8AC3E}">
-        <p14:creationId xmlns:p14="http://schemas.microsoft.com/office/powerpoint/2010/main" val="2786523610"/>
+        <p14:creationId xmlns:p14="http://schemas.microsoft.com/office/powerpoint/2010/main" val="385369300"/>
       </p:ext>
     </p:extLst>
   </p:cSld>
@@ -3620,15 +3627,7 @@
             </a:r>
             <a:r>
               <a:rPr lang="en-GB" dirty="0" smtClean="0"/>
-              <a:t>Roles </a:t>
-            </a:r>
-            <a:r>
-              <a:rPr lang="en-GB" dirty="0"/>
-              <a:t>- B</a:t>
-            </a:r>
-            <a:r>
-              <a:rPr lang="en-GB" dirty="0" smtClean="0"/>
-              <a:t>enjamin</a:t>
+              <a:t>Roles - Jennifer</a:t>
             </a:r>
             <a:endParaRPr lang="en-GB" dirty="0"/>
           </a:p>
@@ -3656,7 +3655,7 @@
     </p:spTree>
     <p:extLst>
       <p:ext uri="{BB962C8B-B14F-4D97-AF65-F5344CB8AC3E}">
-        <p14:creationId xmlns:p14="http://schemas.microsoft.com/office/powerpoint/2010/main" val="1920604393"/>
+        <p14:creationId xmlns:p14="http://schemas.microsoft.com/office/powerpoint/2010/main" val="2786523610"/>
       </p:ext>
     </p:extLst>
   </p:cSld>
@@ -3708,6 +3707,90 @@
             </a:r>
             <a:r>
               <a:rPr lang="en-GB" dirty="0"/>
+              <a:t>- B</a:t>
+            </a:r>
+            <a:r>
+              <a:rPr lang="en-GB" dirty="0" smtClean="0"/>
+              <a:t>enjamin</a:t>
+            </a:r>
+            <a:endParaRPr lang="en-GB" dirty="0"/>
+          </a:p>
+        </p:txBody>
+      </p:sp>
+      <p:sp>
+        <p:nvSpPr>
+          <p:cNvPr id="3" name="Content Placeholder 2"/>
+          <p:cNvSpPr>
+            <a:spLocks noGrp="1"/>
+          </p:cNvSpPr>
+          <p:nvPr>
+            <p:ph idx="1"/>
+          </p:nvPr>
+        </p:nvSpPr>
+        <p:spPr/>
+        <p:txBody>
+          <a:bodyPr/>
+          <a:lstStyle/>
+          <a:p>
+            <a:endParaRPr lang="en-GB"/>
+          </a:p>
+        </p:txBody>
+      </p:sp>
+    </p:spTree>
+    <p:extLst>
+      <p:ext uri="{BB962C8B-B14F-4D97-AF65-F5344CB8AC3E}">
+        <p14:creationId xmlns:p14="http://schemas.microsoft.com/office/powerpoint/2010/main" val="1920604393"/>
+      </p:ext>
+    </p:extLst>
+  </p:cSld>
+  <p:clrMapOvr>
+    <a:masterClrMapping/>
+  </p:clrMapOvr>
+</p:sld>
+</file>
+
+<file path=ppt/slides/slide13.xml><?xml version="1.0" encoding="utf-8"?>
+<p:sld xmlns:a="http://schemas.openxmlformats.org/drawingml/2006/main" xmlns:r="http://schemas.openxmlformats.org/officeDocument/2006/relationships" xmlns:p="http://schemas.openxmlformats.org/presentationml/2006/main">
+  <p:cSld>
+    <p:spTree>
+      <p:nvGrpSpPr>
+        <p:cNvPr id="1" name=""/>
+        <p:cNvGrpSpPr/>
+        <p:nvPr/>
+      </p:nvGrpSpPr>
+      <p:grpSpPr>
+        <a:xfrm>
+          <a:off x="0" y="0"/>
+          <a:ext cx="0" cy="0"/>
+          <a:chOff x="0" y="0"/>
+          <a:chExt cx="0" cy="0"/>
+        </a:xfrm>
+      </p:grpSpPr>
+      <p:sp>
+        <p:nvSpPr>
+          <p:cNvPr id="2" name="Title 1"/>
+          <p:cNvSpPr>
+            <a:spLocks noGrp="1"/>
+          </p:cNvSpPr>
+          <p:nvPr>
+            <p:ph type="title"/>
+          </p:nvPr>
+        </p:nvSpPr>
+        <p:spPr/>
+        <p:txBody>
+          <a:bodyPr/>
+          <a:lstStyle/>
+          <a:p>
+            <a:r>
+              <a:rPr lang="en-GB" dirty="0"/>
+              <a:t>Review of </a:t>
+            </a:r>
+            <a:r>
+              <a:rPr lang="en-GB" dirty="0" smtClean="0"/>
+              <a:t>Roles </a:t>
+            </a:r>
+            <a:r>
+              <a:rPr lang="en-GB" dirty="0"/>
               <a:t>- </a:t>
             </a:r>
             <a:r>
@@ -3745,6 +3828,78 @@
     <p:extLst>
       <p:ext uri="{BB962C8B-B14F-4D97-AF65-F5344CB8AC3E}">
         <p14:creationId xmlns:p14="http://schemas.microsoft.com/office/powerpoint/2010/main" val="2441071586"/>
+      </p:ext>
+    </p:extLst>
+  </p:cSld>
+  <p:clrMapOvr>
+    <a:masterClrMapping/>
+  </p:clrMapOvr>
+</p:sld>
+</file>
+
+<file path=ppt/slides/slide14.xml><?xml version="1.0" encoding="utf-8"?>
+<p:sld xmlns:a="http://schemas.openxmlformats.org/drawingml/2006/main" xmlns:r="http://schemas.openxmlformats.org/officeDocument/2006/relationships" xmlns:p="http://schemas.openxmlformats.org/presentationml/2006/main">
+  <p:cSld>
+    <p:spTree>
+      <p:nvGrpSpPr>
+        <p:cNvPr id="1" name=""/>
+        <p:cNvGrpSpPr/>
+        <p:nvPr/>
+      </p:nvGrpSpPr>
+      <p:grpSpPr>
+        <a:xfrm>
+          <a:off x="0" y="0"/>
+          <a:ext cx="0" cy="0"/>
+          <a:chOff x="0" y="0"/>
+          <a:chExt cx="0" cy="0"/>
+        </a:xfrm>
+      </p:grpSpPr>
+      <p:sp>
+        <p:nvSpPr>
+          <p:cNvPr id="2" name="Title 1"/>
+          <p:cNvSpPr>
+            <a:spLocks noGrp="1"/>
+          </p:cNvSpPr>
+          <p:nvPr>
+            <p:ph type="title"/>
+          </p:nvPr>
+        </p:nvSpPr>
+        <p:spPr/>
+        <p:txBody>
+          <a:bodyPr/>
+          <a:lstStyle/>
+          <a:p>
+            <a:r>
+              <a:rPr lang="en-GB" dirty="0" smtClean="0"/>
+              <a:t>The End</a:t>
+            </a:r>
+            <a:endParaRPr lang="en-GB" dirty="0"/>
+          </a:p>
+        </p:txBody>
+      </p:sp>
+      <p:sp>
+        <p:nvSpPr>
+          <p:cNvPr id="3" name="Content Placeholder 2"/>
+          <p:cNvSpPr>
+            <a:spLocks noGrp="1"/>
+          </p:cNvSpPr>
+          <p:nvPr>
+            <p:ph idx="1"/>
+          </p:nvPr>
+        </p:nvSpPr>
+        <p:spPr/>
+        <p:txBody>
+          <a:bodyPr/>
+          <a:lstStyle/>
+          <a:p>
+            <a:endParaRPr lang="en-GB"/>
+          </a:p>
+        </p:txBody>
+      </p:sp>
+    </p:spTree>
+    <p:extLst>
+      <p:ext uri="{BB962C8B-B14F-4D97-AF65-F5344CB8AC3E}">
+        <p14:creationId xmlns:p14="http://schemas.microsoft.com/office/powerpoint/2010/main" val="478092083"/>
       </p:ext>
     </p:extLst>
   </p:cSld>
@@ -4292,11 +4447,7 @@
           <a:p>
             <a:r>
               <a:rPr lang="en-GB" dirty="0" smtClean="0"/>
-              <a:t>Review of Roles - </a:t>
-            </a:r>
-            <a:r>
-              <a:rPr lang="en-GB" dirty="0" err="1" smtClean="0"/>
-              <a:t>Anis</a:t>
+              <a:t>Future Progress</a:t>
             </a:r>
             <a:endParaRPr lang="en-GB" dirty="0"/>
           </a:p>
@@ -4324,7 +4475,7 @@
     </p:spTree>
     <p:extLst>
       <p:ext uri="{BB962C8B-B14F-4D97-AF65-F5344CB8AC3E}">
-        <p14:creationId xmlns:p14="http://schemas.microsoft.com/office/powerpoint/2010/main" val="385369300"/>
+        <p14:creationId xmlns:p14="http://schemas.microsoft.com/office/powerpoint/2010/main" val="591964850"/>
       </p:ext>
     </p:extLst>
   </p:cSld>
